--- a/LaTex/IMGs/calssification.pptx
+++ b/LaTex/IMGs/calssification.pptx
@@ -274,7 +274,7 @@
           <a:p>
             <a:fld id="{0A71794B-F1FC-495F-B2C0-FB5147656C8F}" type="datetimeFigureOut">
               <a:rPr lang="en-US" smtClean="0"/>
-              <a:t>6/29/2023</a:t>
+              <a:t>8/21/2023</a:t>
             </a:fld>
             <a:endParaRPr lang="en-US"/>
           </a:p>
@@ -472,7 +472,7 @@
           <a:p>
             <a:fld id="{0A71794B-F1FC-495F-B2C0-FB5147656C8F}" type="datetimeFigureOut">
               <a:rPr lang="en-US" smtClean="0"/>
-              <a:t>6/29/2023</a:t>
+              <a:t>8/21/2023</a:t>
             </a:fld>
             <a:endParaRPr lang="en-US"/>
           </a:p>
@@ -680,7 +680,7 @@
           <a:p>
             <a:fld id="{0A71794B-F1FC-495F-B2C0-FB5147656C8F}" type="datetimeFigureOut">
               <a:rPr lang="en-US" smtClean="0"/>
-              <a:t>6/29/2023</a:t>
+              <a:t>8/21/2023</a:t>
             </a:fld>
             <a:endParaRPr lang="en-US"/>
           </a:p>
@@ -878,7 +878,7 @@
           <a:p>
             <a:fld id="{0A71794B-F1FC-495F-B2C0-FB5147656C8F}" type="datetimeFigureOut">
               <a:rPr lang="en-US" smtClean="0"/>
-              <a:t>6/29/2023</a:t>
+              <a:t>8/21/2023</a:t>
             </a:fld>
             <a:endParaRPr lang="en-US"/>
           </a:p>
@@ -1153,7 +1153,7 @@
           <a:p>
             <a:fld id="{0A71794B-F1FC-495F-B2C0-FB5147656C8F}" type="datetimeFigureOut">
               <a:rPr lang="en-US" smtClean="0"/>
-              <a:t>6/29/2023</a:t>
+              <a:t>8/21/2023</a:t>
             </a:fld>
             <a:endParaRPr lang="en-US"/>
           </a:p>
@@ -1418,7 +1418,7 @@
           <a:p>
             <a:fld id="{0A71794B-F1FC-495F-B2C0-FB5147656C8F}" type="datetimeFigureOut">
               <a:rPr lang="en-US" smtClean="0"/>
-              <a:t>6/29/2023</a:t>
+              <a:t>8/21/2023</a:t>
             </a:fld>
             <a:endParaRPr lang="en-US"/>
           </a:p>
@@ -1830,7 +1830,7 @@
           <a:p>
             <a:fld id="{0A71794B-F1FC-495F-B2C0-FB5147656C8F}" type="datetimeFigureOut">
               <a:rPr lang="en-US" smtClean="0"/>
-              <a:t>6/29/2023</a:t>
+              <a:t>8/21/2023</a:t>
             </a:fld>
             <a:endParaRPr lang="en-US"/>
           </a:p>
@@ -1971,7 +1971,7 @@
           <a:p>
             <a:fld id="{0A71794B-F1FC-495F-B2C0-FB5147656C8F}" type="datetimeFigureOut">
               <a:rPr lang="en-US" smtClean="0"/>
-              <a:t>6/29/2023</a:t>
+              <a:t>8/21/2023</a:t>
             </a:fld>
             <a:endParaRPr lang="en-US"/>
           </a:p>
@@ -2084,7 +2084,7 @@
           <a:p>
             <a:fld id="{0A71794B-F1FC-495F-B2C0-FB5147656C8F}" type="datetimeFigureOut">
               <a:rPr lang="en-US" smtClean="0"/>
-              <a:t>6/29/2023</a:t>
+              <a:t>8/21/2023</a:t>
             </a:fld>
             <a:endParaRPr lang="en-US"/>
           </a:p>
@@ -2395,7 +2395,7 @@
           <a:p>
             <a:fld id="{0A71794B-F1FC-495F-B2C0-FB5147656C8F}" type="datetimeFigureOut">
               <a:rPr lang="en-US" smtClean="0"/>
-              <a:t>6/29/2023</a:t>
+              <a:t>8/21/2023</a:t>
             </a:fld>
             <a:endParaRPr lang="en-US"/>
           </a:p>
@@ -2683,7 +2683,7 @@
           <a:p>
             <a:fld id="{0A71794B-F1FC-495F-B2C0-FB5147656C8F}" type="datetimeFigureOut">
               <a:rPr lang="en-US" smtClean="0"/>
-              <a:t>6/29/2023</a:t>
+              <a:t>8/21/2023</a:t>
             </a:fld>
             <a:endParaRPr lang="en-US"/>
           </a:p>
@@ -2924,7 +2924,7 @@
           <a:p>
             <a:fld id="{0A71794B-F1FC-495F-B2C0-FB5147656C8F}" type="datetimeFigureOut">
               <a:rPr lang="en-US" smtClean="0"/>
-              <a:t>6/29/2023</a:t>
+              <a:t>8/21/2023</a:t>
             </a:fld>
             <a:endParaRPr lang="en-US"/>
           </a:p>
@@ -6363,9 +6363,9 @@
         <p:grpSpPr>
           <a:xfrm>
             <a:off x="998512" y="1741695"/>
-            <a:ext cx="9936188" cy="3278368"/>
+            <a:ext cx="9936188" cy="3300201"/>
             <a:chOff x="998512" y="1741695"/>
-            <a:chExt cx="9936188" cy="3278368"/>
+            <a:chExt cx="9936188" cy="3300201"/>
           </a:xfrm>
         </p:grpSpPr>
         <p:grpSp>
@@ -6383,9 +6383,9 @@
           <p:grpSpPr>
             <a:xfrm>
               <a:off x="998512" y="2009255"/>
-              <a:ext cx="9936188" cy="3010808"/>
+              <a:ext cx="9936188" cy="3032641"/>
               <a:chOff x="998512" y="2009255"/>
-              <a:chExt cx="9936188" cy="3010808"/>
+              <a:chExt cx="9936188" cy="3032641"/>
             </a:xfrm>
           </p:grpSpPr>
           <p:cxnSp>
@@ -6517,7 +6517,7 @@
             </p:nvSpPr>
             <p:spPr>
               <a:xfrm>
-                <a:off x="2523725" y="4647680"/>
+                <a:off x="3774645" y="4672564"/>
                 <a:ext cx="810984" cy="369332"/>
               </a:xfrm>
               <a:prstGeom prst="rect">

--- a/LaTex/IMGs/calssification.pptx
+++ b/LaTex/IMGs/calssification.pptx
@@ -274,7 +274,7 @@
           <a:p>
             <a:fld id="{0A71794B-F1FC-495F-B2C0-FB5147656C8F}" type="datetimeFigureOut">
               <a:rPr lang="en-US" smtClean="0"/>
-              <a:t>8/21/2023</a:t>
+              <a:t>8/24/2023</a:t>
             </a:fld>
             <a:endParaRPr lang="en-US"/>
           </a:p>
@@ -472,7 +472,7 @@
           <a:p>
             <a:fld id="{0A71794B-F1FC-495F-B2C0-FB5147656C8F}" type="datetimeFigureOut">
               <a:rPr lang="en-US" smtClean="0"/>
-              <a:t>8/21/2023</a:t>
+              <a:t>8/24/2023</a:t>
             </a:fld>
             <a:endParaRPr lang="en-US"/>
           </a:p>
@@ -680,7 +680,7 @@
           <a:p>
             <a:fld id="{0A71794B-F1FC-495F-B2C0-FB5147656C8F}" type="datetimeFigureOut">
               <a:rPr lang="en-US" smtClean="0"/>
-              <a:t>8/21/2023</a:t>
+              <a:t>8/24/2023</a:t>
             </a:fld>
             <a:endParaRPr lang="en-US"/>
           </a:p>
@@ -878,7 +878,7 @@
           <a:p>
             <a:fld id="{0A71794B-F1FC-495F-B2C0-FB5147656C8F}" type="datetimeFigureOut">
               <a:rPr lang="en-US" smtClean="0"/>
-              <a:t>8/21/2023</a:t>
+              <a:t>8/24/2023</a:t>
             </a:fld>
             <a:endParaRPr lang="en-US"/>
           </a:p>
@@ -1153,7 +1153,7 @@
           <a:p>
             <a:fld id="{0A71794B-F1FC-495F-B2C0-FB5147656C8F}" type="datetimeFigureOut">
               <a:rPr lang="en-US" smtClean="0"/>
-              <a:t>8/21/2023</a:t>
+              <a:t>8/24/2023</a:t>
             </a:fld>
             <a:endParaRPr lang="en-US"/>
           </a:p>
@@ -1418,7 +1418,7 @@
           <a:p>
             <a:fld id="{0A71794B-F1FC-495F-B2C0-FB5147656C8F}" type="datetimeFigureOut">
               <a:rPr lang="en-US" smtClean="0"/>
-              <a:t>8/21/2023</a:t>
+              <a:t>8/24/2023</a:t>
             </a:fld>
             <a:endParaRPr lang="en-US"/>
           </a:p>
@@ -1830,7 +1830,7 @@
           <a:p>
             <a:fld id="{0A71794B-F1FC-495F-B2C0-FB5147656C8F}" type="datetimeFigureOut">
               <a:rPr lang="en-US" smtClean="0"/>
-              <a:t>8/21/2023</a:t>
+              <a:t>8/24/2023</a:t>
             </a:fld>
             <a:endParaRPr lang="en-US"/>
           </a:p>
@@ -1971,7 +1971,7 @@
           <a:p>
             <a:fld id="{0A71794B-F1FC-495F-B2C0-FB5147656C8F}" type="datetimeFigureOut">
               <a:rPr lang="en-US" smtClean="0"/>
-              <a:t>8/21/2023</a:t>
+              <a:t>8/24/2023</a:t>
             </a:fld>
             <a:endParaRPr lang="en-US"/>
           </a:p>
@@ -2084,7 +2084,7 @@
           <a:p>
             <a:fld id="{0A71794B-F1FC-495F-B2C0-FB5147656C8F}" type="datetimeFigureOut">
               <a:rPr lang="en-US" smtClean="0"/>
-              <a:t>8/21/2023</a:t>
+              <a:t>8/24/2023</a:t>
             </a:fld>
             <a:endParaRPr lang="en-US"/>
           </a:p>
@@ -2395,7 +2395,7 @@
           <a:p>
             <a:fld id="{0A71794B-F1FC-495F-B2C0-FB5147656C8F}" type="datetimeFigureOut">
               <a:rPr lang="en-US" smtClean="0"/>
-              <a:t>8/21/2023</a:t>
+              <a:t>8/24/2023</a:t>
             </a:fld>
             <a:endParaRPr lang="en-US"/>
           </a:p>
@@ -2683,7 +2683,7 @@
           <a:p>
             <a:fld id="{0A71794B-F1FC-495F-B2C0-FB5147656C8F}" type="datetimeFigureOut">
               <a:rPr lang="en-US" smtClean="0"/>
-              <a:t>8/21/2023</a:t>
+              <a:t>8/24/2023</a:t>
             </a:fld>
             <a:endParaRPr lang="en-US"/>
           </a:p>
@@ -2924,7 +2924,7 @@
           <a:p>
             <a:fld id="{0A71794B-F1FC-495F-B2C0-FB5147656C8F}" type="datetimeFigureOut">
               <a:rPr lang="en-US" smtClean="0"/>
-              <a:t>8/21/2023</a:t>
+              <a:t>8/24/2023</a:t>
             </a:fld>
             <a:endParaRPr lang="en-US"/>
           </a:p>
@@ -7347,10 +7347,10 @@
       </p:grpSpPr>
       <p:grpSp>
         <p:nvGrpSpPr>
-          <p:cNvPr id="2" name="Group 1">
+          <p:cNvPr id="3" name="Group 2">
             <a:extLst>
               <a:ext uri="{FF2B5EF4-FFF2-40B4-BE49-F238E27FC236}">
-                <a16:creationId xmlns:a16="http://schemas.microsoft.com/office/drawing/2014/main" id="{3D15EE2F-4ABC-32E6-D03F-BF604F37F6F3}"/>
+                <a16:creationId xmlns:a16="http://schemas.microsoft.com/office/drawing/2014/main" id="{5CE49A21-0796-D438-001D-CFCCC974C540}"/>
               </a:ext>
             </a:extLst>
           </p:cNvPr>
@@ -7359,10 +7359,10 @@
         </p:nvGrpSpPr>
         <p:grpSpPr>
           <a:xfrm>
-            <a:off x="1605272" y="142159"/>
-            <a:ext cx="10329551" cy="5978941"/>
-            <a:chOff x="1605272" y="142159"/>
-            <a:chExt cx="10329551" cy="5978941"/>
+            <a:off x="1605272" y="234199"/>
+            <a:ext cx="10259134" cy="5886901"/>
+            <a:chOff x="1605272" y="234199"/>
+            <a:chExt cx="10259134" cy="5886901"/>
           </a:xfrm>
         </p:grpSpPr>
         <p:cxnSp>
@@ -7379,7 +7379,7 @@
           </p:nvCxnSpPr>
           <p:spPr>
             <a:xfrm flipV="1">
-              <a:off x="3489861" y="158332"/>
+              <a:off x="2622968" y="250372"/>
               <a:ext cx="0" cy="2847975"/>
             </a:xfrm>
             <a:prstGeom prst="straightConnector1">
@@ -7420,7 +7420,7 @@
           </p:nvCxnSpPr>
           <p:spPr>
             <a:xfrm>
-              <a:off x="3280311" y="2796757"/>
+              <a:off x="2413418" y="2888797"/>
               <a:ext cx="5392882" cy="0"/>
             </a:xfrm>
             <a:prstGeom prst="straightConnector1">
@@ -7459,7 +7459,7 @@
           </p:nvSpPr>
           <p:spPr>
             <a:xfrm rot="16200000">
-              <a:off x="1943289" y="1258144"/>
+              <a:off x="1076396" y="1350184"/>
               <a:ext cx="2599734" cy="400110"/>
             </a:xfrm>
             <a:prstGeom prst="rect">
@@ -7495,7 +7495,7 @@
           </p:nvSpPr>
           <p:spPr>
             <a:xfrm>
-              <a:off x="5529306" y="2758066"/>
+              <a:off x="4662413" y="2850106"/>
               <a:ext cx="810984" cy="400110"/>
             </a:xfrm>
             <a:prstGeom prst="rect">
@@ -7687,7 +7687,7 @@
           </p:nvCxnSpPr>
           <p:spPr>
             <a:xfrm flipV="1">
-              <a:off x="4907861" y="3991444"/>
+              <a:off x="5646806" y="3988209"/>
               <a:ext cx="0" cy="1900670"/>
             </a:xfrm>
             <a:prstGeom prst="straightConnector1">
@@ -7728,7 +7728,7 @@
           </p:nvCxnSpPr>
           <p:spPr>
             <a:xfrm>
-              <a:off x="4698311" y="5682564"/>
+              <a:off x="5437256" y="5679329"/>
               <a:ext cx="2563089" cy="0"/>
             </a:xfrm>
             <a:prstGeom prst="straightConnector1">
@@ -7767,7 +7767,7 @@
           </p:nvSpPr>
           <p:spPr>
             <a:xfrm rot="16200000">
-              <a:off x="3920351" y="4671308"/>
+              <a:off x="4659296" y="4668073"/>
               <a:ext cx="1620241" cy="400110"/>
             </a:xfrm>
             <a:prstGeom prst="rect">
@@ -7803,7 +7803,7 @@
           </p:nvSpPr>
           <p:spPr>
             <a:xfrm>
-              <a:off x="5574363" y="5720990"/>
+              <a:off x="6313308" y="5717755"/>
               <a:ext cx="810984" cy="400110"/>
             </a:xfrm>
             <a:prstGeom prst="rect">
@@ -7841,7 +7841,7 @@
           </p:nvCxnSpPr>
           <p:spPr>
             <a:xfrm flipV="1">
-              <a:off x="7833006" y="3991444"/>
+              <a:off x="9510867" y="3990364"/>
               <a:ext cx="0" cy="1900670"/>
             </a:xfrm>
             <a:prstGeom prst="straightConnector1">
@@ -7882,7 +7882,7 @@
           </p:nvCxnSpPr>
           <p:spPr>
             <a:xfrm>
-              <a:off x="7623456" y="5682564"/>
+              <a:off x="9301317" y="5681484"/>
               <a:ext cx="2563089" cy="0"/>
             </a:xfrm>
             <a:prstGeom prst="straightConnector1">
@@ -7921,7 +7921,7 @@
           </p:nvSpPr>
           <p:spPr>
             <a:xfrm rot="16200000">
-              <a:off x="6846034" y="4670771"/>
+              <a:off x="8523895" y="4669691"/>
               <a:ext cx="1619166" cy="400110"/>
             </a:xfrm>
             <a:prstGeom prst="rect">
@@ -7957,7 +7957,7 @@
           </p:nvSpPr>
           <p:spPr>
             <a:xfrm>
-              <a:off x="8499508" y="5720990"/>
+              <a:off x="10177369" y="5719910"/>
               <a:ext cx="810984" cy="400110"/>
             </a:xfrm>
             <a:prstGeom prst="rect">
@@ -7993,7 +7993,7 @@
           </p:nvCxnSpPr>
           <p:spPr>
             <a:xfrm>
-              <a:off x="3489861" y="1122218"/>
+              <a:off x="2622968" y="1214258"/>
               <a:ext cx="1028559" cy="0"/>
             </a:xfrm>
             <a:prstGeom prst="line">
@@ -8030,7 +8030,7 @@
           </p:nvCxnSpPr>
           <p:spPr>
             <a:xfrm>
-              <a:off x="4518420" y="2075179"/>
+              <a:off x="3651527" y="2167219"/>
               <a:ext cx="1028559" cy="0"/>
             </a:xfrm>
             <a:prstGeom prst="line">
@@ -8067,7 +8067,7 @@
           </p:nvCxnSpPr>
           <p:spPr>
             <a:xfrm>
-              <a:off x="5546979" y="1191491"/>
+              <a:off x="4680086" y="1283531"/>
               <a:ext cx="1028559" cy="0"/>
             </a:xfrm>
             <a:prstGeom prst="line">
@@ -8106,7 +8106,7 @@
           </p:nvCxnSpPr>
           <p:spPr>
             <a:xfrm>
-              <a:off x="7331076" y="2019733"/>
+              <a:off x="6464183" y="2111773"/>
               <a:ext cx="519132" cy="0"/>
             </a:xfrm>
             <a:prstGeom prst="line">
@@ -8145,7 +8145,7 @@
           </p:nvCxnSpPr>
           <p:spPr>
             <a:xfrm>
-              <a:off x="6575537" y="2422656"/>
+              <a:off x="5708644" y="2514696"/>
               <a:ext cx="755539" cy="1508"/>
             </a:xfrm>
             <a:prstGeom prst="line">
@@ -8184,7 +8184,7 @@
           </p:nvCxnSpPr>
           <p:spPr>
             <a:xfrm flipV="1">
-              <a:off x="4518420" y="1122218"/>
+              <a:off x="3651527" y="1214258"/>
               <a:ext cx="0" cy="955097"/>
             </a:xfrm>
             <a:prstGeom prst="line">
@@ -8223,7 +8223,7 @@
           </p:nvCxnSpPr>
           <p:spPr>
             <a:xfrm>
-              <a:off x="5546979" y="1191491"/>
+              <a:off x="4680086" y="1283531"/>
               <a:ext cx="0" cy="883688"/>
             </a:xfrm>
             <a:prstGeom prst="line">
@@ -8262,7 +8262,7 @@
           </p:nvCxnSpPr>
           <p:spPr>
             <a:xfrm flipV="1">
-              <a:off x="6575537" y="1191491"/>
+              <a:off x="5708644" y="1283531"/>
               <a:ext cx="0" cy="1235935"/>
             </a:xfrm>
             <a:prstGeom prst="line">
@@ -8301,7 +8301,7 @@
           </p:nvCxnSpPr>
           <p:spPr>
             <a:xfrm>
-              <a:off x="7331076" y="2019733"/>
+              <a:off x="6464183" y="2111773"/>
               <a:ext cx="0" cy="402923"/>
             </a:xfrm>
             <a:prstGeom prst="line">
@@ -8340,7 +8340,7 @@
           </p:nvCxnSpPr>
           <p:spPr>
             <a:xfrm>
-              <a:off x="3489861" y="1719118"/>
+              <a:off x="2622968" y="1811158"/>
               <a:ext cx="548739" cy="0"/>
             </a:xfrm>
             <a:prstGeom prst="line">
@@ -8379,7 +8379,7 @@
           </p:nvCxnSpPr>
           <p:spPr>
             <a:xfrm>
-              <a:off x="3489861" y="1433368"/>
+              <a:off x="2622968" y="1525408"/>
               <a:ext cx="1298039" cy="0"/>
             </a:xfrm>
             <a:prstGeom prst="line">
@@ -8418,7 +8418,7 @@
           </p:nvCxnSpPr>
           <p:spPr>
             <a:xfrm>
-              <a:off x="4038600" y="2277918"/>
+              <a:off x="3171707" y="2369958"/>
               <a:ext cx="479820" cy="0"/>
             </a:xfrm>
             <a:prstGeom prst="line">
@@ -8457,7 +8457,7 @@
           </p:nvCxnSpPr>
           <p:spPr>
             <a:xfrm>
-              <a:off x="4038600" y="1719118"/>
+              <a:off x="3171707" y="1811158"/>
               <a:ext cx="0" cy="558800"/>
             </a:xfrm>
             <a:prstGeom prst="line">
@@ -8496,7 +8496,7 @@
           </p:nvCxnSpPr>
           <p:spPr>
             <a:xfrm flipV="1">
-              <a:off x="4787900" y="1433368"/>
+              <a:off x="3921007" y="1525408"/>
               <a:ext cx="0" cy="421626"/>
             </a:xfrm>
             <a:prstGeom prst="line">
@@ -8533,7 +8533,7 @@
           </p:nvCxnSpPr>
           <p:spPr>
             <a:xfrm>
-              <a:off x="4518420" y="2690668"/>
+              <a:off x="3651527" y="2782708"/>
               <a:ext cx="1028559" cy="0"/>
             </a:xfrm>
             <a:prstGeom prst="line">
@@ -8572,7 +8572,7 @@
           </p:nvCxnSpPr>
           <p:spPr>
             <a:xfrm flipV="1">
-              <a:off x="4518420" y="2277918"/>
+              <a:off x="3651527" y="2369958"/>
               <a:ext cx="0" cy="421626"/>
             </a:xfrm>
             <a:prstGeom prst="line">
@@ -8611,7 +8611,7 @@
           </p:nvCxnSpPr>
           <p:spPr>
             <a:xfrm flipV="1">
-              <a:off x="5546979" y="2277918"/>
+              <a:off x="4680086" y="2369958"/>
               <a:ext cx="0" cy="421626"/>
             </a:xfrm>
             <a:prstGeom prst="line">
@@ -8650,7 +8650,7 @@
           </p:nvCxnSpPr>
           <p:spPr>
             <a:xfrm>
-              <a:off x="5546979" y="2277918"/>
+              <a:off x="4680086" y="2369958"/>
               <a:ext cx="1298039" cy="0"/>
             </a:xfrm>
             <a:prstGeom prst="line">
@@ -8689,7 +8689,7 @@
           </p:nvCxnSpPr>
           <p:spPr>
             <a:xfrm flipV="1">
-              <a:off x="5816459" y="1433368"/>
+              <a:off x="4949566" y="1525408"/>
               <a:ext cx="0" cy="421626"/>
             </a:xfrm>
             <a:prstGeom prst="line">
@@ -8728,7 +8728,7 @@
           </p:nvCxnSpPr>
           <p:spPr>
             <a:xfrm flipV="1">
-              <a:off x="6836798" y="1041983"/>
+              <a:off x="5969905" y="1134023"/>
               <a:ext cx="0" cy="1235935"/>
             </a:xfrm>
             <a:prstGeom prst="line">
@@ -8767,7 +8767,7 @@
           </p:nvCxnSpPr>
           <p:spPr>
             <a:xfrm>
-              <a:off x="6836798" y="1041983"/>
+              <a:off x="5969905" y="1134023"/>
               <a:ext cx="479820" cy="0"/>
             </a:xfrm>
             <a:prstGeom prst="line">
@@ -8804,7 +8804,7 @@
           </p:nvCxnSpPr>
           <p:spPr>
             <a:xfrm>
-              <a:off x="4787900" y="1854994"/>
+              <a:off x="3921007" y="1947034"/>
               <a:ext cx="1028559" cy="0"/>
             </a:xfrm>
             <a:prstGeom prst="line">
@@ -8843,7 +8843,7 @@
           </p:nvCxnSpPr>
           <p:spPr>
             <a:xfrm>
-              <a:off x="5816459" y="1433368"/>
+              <a:off x="4949566" y="1525408"/>
               <a:ext cx="236679" cy="0"/>
             </a:xfrm>
             <a:prstGeom prst="line">
@@ -8882,7 +8882,7 @@
           </p:nvCxnSpPr>
           <p:spPr>
             <a:xfrm>
-              <a:off x="6053138" y="1433368"/>
+              <a:off x="5186245" y="1525408"/>
               <a:ext cx="0" cy="558800"/>
             </a:xfrm>
             <a:prstGeom prst="line">
@@ -8921,7 +8921,7 @@
           </p:nvCxnSpPr>
           <p:spPr>
             <a:xfrm>
-              <a:off x="6053138" y="1992168"/>
+              <a:off x="5186245" y="2084208"/>
               <a:ext cx="314325" cy="0"/>
             </a:xfrm>
             <a:prstGeom prst="line">
@@ -9328,7 +9328,7 @@
           </p:nvGrpSpPr>
           <p:grpSpPr>
             <a:xfrm>
-              <a:off x="4915137" y="4491302"/>
+              <a:off x="5654082" y="4488067"/>
               <a:ext cx="2000894" cy="933197"/>
               <a:chOff x="5139046" y="3319901"/>
               <a:chExt cx="4360347" cy="1305208"/>
@@ -9694,7 +9694,7 @@
           </p:nvGrpSpPr>
           <p:grpSpPr>
             <a:xfrm>
-              <a:off x="7850208" y="4713604"/>
+              <a:off x="9528069" y="4712524"/>
               <a:ext cx="1745472" cy="538122"/>
               <a:chOff x="8000901" y="4666031"/>
               <a:chExt cx="2877602" cy="558800"/>
@@ -9986,7 +9986,7 @@
           </p:nvSpPr>
           <p:spPr>
             <a:xfrm>
-              <a:off x="8337705" y="437134"/>
+              <a:off x="7470812" y="529174"/>
               <a:ext cx="3597114" cy="400110"/>
             </a:xfrm>
             <a:prstGeom prst="rect">
@@ -10026,7 +10026,7 @@
           </p:nvSpPr>
           <p:spPr>
             <a:xfrm>
-              <a:off x="8337705" y="922759"/>
+              <a:off x="7470812" y="1014799"/>
               <a:ext cx="3597116" cy="400110"/>
             </a:xfrm>
             <a:prstGeom prst="rect">
@@ -10066,7 +10066,7 @@
           </p:nvSpPr>
           <p:spPr>
             <a:xfrm>
-              <a:off x="8319617" y="1413151"/>
+              <a:off x="7452724" y="1505191"/>
               <a:ext cx="3615206" cy="400110"/>
             </a:xfrm>
             <a:prstGeom prst="rect">
@@ -10109,7 +10109,7 @@
           </p:nvCxnSpPr>
           <p:spPr>
             <a:xfrm flipV="1">
-              <a:off x="7316618" y="637189"/>
+              <a:off x="6449725" y="729229"/>
               <a:ext cx="1021087" cy="404794"/>
             </a:xfrm>
             <a:prstGeom prst="line">
@@ -10156,7 +10156,7 @@
           </p:nvCxnSpPr>
           <p:spPr>
             <a:xfrm flipV="1">
-              <a:off x="6367463" y="1122814"/>
+              <a:off x="5500570" y="1214854"/>
               <a:ext cx="1970242" cy="855541"/>
             </a:xfrm>
             <a:prstGeom prst="line">
@@ -10203,7 +10203,7 @@
           </p:nvCxnSpPr>
           <p:spPr>
             <a:xfrm flipV="1">
-              <a:off x="7850208" y="1613206"/>
+              <a:off x="6983315" y="1705246"/>
               <a:ext cx="469409" cy="395137"/>
             </a:xfrm>
             <a:prstGeom prst="line">
@@ -10282,7 +10282,7 @@
           </p:nvSpPr>
           <p:spPr>
             <a:xfrm>
-              <a:off x="4833815" y="142159"/>
+              <a:off x="3966922" y="234199"/>
               <a:ext cx="2119491" cy="400110"/>
             </a:xfrm>
             <a:prstGeom prst="rect">
@@ -10317,7 +10317,7 @@
           </p:nvSpPr>
           <p:spPr>
             <a:xfrm>
-              <a:off x="5515288" y="3702553"/>
+              <a:off x="6254233" y="3699318"/>
               <a:ext cx="962123" cy="400110"/>
             </a:xfrm>
             <a:prstGeom prst="rect">
@@ -10352,7 +10352,7 @@
           </p:nvSpPr>
           <p:spPr>
             <a:xfrm>
-              <a:off x="8427946" y="3702553"/>
+              <a:off x="10105807" y="3701473"/>
               <a:ext cx="962123" cy="400110"/>
             </a:xfrm>
             <a:prstGeom prst="rect">
